--- a/分享 - GraphQL.pptx
+++ b/分享 - GraphQL.pptx
@@ -3346,7 +3346,7 @@
           </a:ln>
           <a:extLst>
             <a:ext uri="{C572A759-6A51-4108-AA02-DFA0A04FC94B}">
-              <ma14:wrappingTextBoxFlag xmlns:ma14="http://schemas.microsoft.com/office/mac/drawingml/2011/main" xmlns="" val="1"/>
+              <ma14:wrappingTextBoxFlag xmlns="" xmlns:ma14="http://schemas.microsoft.com/office/mac/drawingml/2011/main" val="1"/>
             </a:ext>
           </a:extLst>
         </p:spPr>
@@ -3385,7 +3385,7 @@
           </a:ln>
           <a:extLst>
             <a:ext uri="{C572A759-6A51-4108-AA02-DFA0A04FC94B}">
-              <ma14:wrappingTextBoxFlag xmlns:ma14="http://schemas.microsoft.com/office/mac/drawingml/2011/main" xmlns="" val="1"/>
+              <ma14:wrappingTextBoxFlag xmlns="" xmlns:ma14="http://schemas.microsoft.com/office/mac/drawingml/2011/main" val="1"/>
             </a:ext>
           </a:extLst>
         </p:spPr>
@@ -4406,7 +4406,7 @@
           </a:ln>
           <a:extLst>
             <a:ext uri="{C572A759-6A51-4108-AA02-DFA0A04FC94B}">
-              <ma14:wrappingTextBoxFlag xmlns:ma14="http://schemas.microsoft.com/office/mac/drawingml/2011/main" xmlns="" val="1"/>
+              <ma14:wrappingTextBoxFlag xmlns="" xmlns:ma14="http://schemas.microsoft.com/office/mac/drawingml/2011/main" val="1"/>
             </a:ext>
           </a:extLst>
         </p:spPr>
@@ -5827,7 +5827,7 @@
           </a:ln>
           <a:extLst>
             <a:ext uri="{C572A759-6A51-4108-AA02-DFA0A04FC94B}">
-              <ma14:wrappingTextBoxFlag xmlns:ma14="http://schemas.microsoft.com/office/mac/drawingml/2011/main" xmlns="" val="1"/>
+              <ma14:wrappingTextBoxFlag xmlns="" xmlns:ma14="http://schemas.microsoft.com/office/mac/drawingml/2011/main" val="1"/>
             </a:ext>
           </a:extLst>
         </p:spPr>
@@ -6125,7 +6125,7 @@
           </a:ln>
           <a:extLst>
             <a:ext uri="{C572A759-6A51-4108-AA02-DFA0A04FC94B}">
-              <ma14:wrappingTextBoxFlag xmlns:ma14="http://schemas.microsoft.com/office/mac/drawingml/2011/main" xmlns="" val="1"/>
+              <ma14:wrappingTextBoxFlag xmlns="" xmlns:ma14="http://schemas.microsoft.com/office/mac/drawingml/2011/main" val="1"/>
             </a:ext>
           </a:extLst>
         </p:spPr>
@@ -7244,7 +7244,7 @@
           </a:ln>
           <a:extLst>
             <a:ext uri="{C572A759-6A51-4108-AA02-DFA0A04FC94B}">
-              <ma14:wrappingTextBoxFlag xmlns:ma14="http://schemas.microsoft.com/office/mac/drawingml/2011/main" xmlns="" val="1"/>
+              <ma14:wrappingTextBoxFlag xmlns="" xmlns:ma14="http://schemas.microsoft.com/office/mac/drawingml/2011/main" val="1"/>
             </a:ext>
           </a:extLst>
         </p:spPr>
@@ -7673,12 +7673,8 @@
               </a:spcBef>
             </a:pPr>
             <a:r>
-              <a:rPr lang="en-US" altLang="zh-CN" dirty="0" err="1"/>
-              <a:t>Curor</a:t>
-            </a:r>
-            <a:r>
-              <a:rPr lang="en-US" altLang="zh-CN" dirty="0"/>
-              <a:t> </a:t>
+              <a:rPr lang="en-US" altLang="zh-CN"/>
+              <a:t>Cursor </a:t>
             </a:r>
             <a:r>
               <a:rPr lang="zh-CN" altLang="en-US" dirty="0"/>
